--- a/Documents/Slides/Identity-Theory.pptx
+++ b/Documents/Slides/Identity-Theory.pptx
@@ -5972,17 +5972,17 @@
       </dgm:t>
     </dgm:pt>
     <dgm:pt modelId="{B5777570-94A7-4320-B723-D6A66C313179}">
-      <dgm:prSet phldrT="[Text]"/>
+      <dgm:prSet phldrT="[Text]" custT="1"/>
       <dgm:spPr/>
       <dgm:t>
         <a:bodyPr/>
         <a:lstStyle/>
         <a:p>
           <a:r>
-            <a:rPr lang="en-US" dirty="0" smtClean="0"/>
+            <a:rPr lang="en-US" sz="1200" dirty="0" smtClean="0"/>
             <a:t>Associate</a:t>
           </a:r>
-          <a:endParaRPr lang="en-US" dirty="0"/>
+          <a:endParaRPr lang="en-US" sz="1200" dirty="0"/>
         </a:p>
       </dgm:t>
     </dgm:pt>
@@ -7065,8 +7065,8 @@
   </dgm:ptLst>
   <dgm:cxnLst>
     <dgm:cxn modelId="{B84205ED-AFAD-431A-93AB-1E8C9ECCBEF4}" type="presOf" srcId="{B5777570-94A7-4320-B723-D6A66C313179}" destId="{9CD6F3CA-B3FC-45CD-AFE8-83034A1E12CA}" srcOrd="0" destOrd="0" presId="urn:microsoft.com/office/officeart/2005/8/layout/process4"/>
+    <dgm:cxn modelId="{18330B2E-3C12-47D6-8841-9CDE0D98DD46}" type="presOf" srcId="{7E829DBF-11EB-4D72-AD4A-9FFEFE4340A9}" destId="{082C1469-7809-41E5-B99E-9BA48C43295F}" srcOrd="1" destOrd="0" presId="urn:microsoft.com/office/officeart/2005/8/layout/process4"/>
     <dgm:cxn modelId="{D559203D-4470-4F22-831F-CC50AFA8D35B}" srcId="{7E829DBF-11EB-4D72-AD4A-9FFEFE4340A9}" destId="{B5777570-94A7-4320-B723-D6A66C313179}" srcOrd="0" destOrd="0" parTransId="{B9F1CB2A-7DCC-459F-86B0-4E34DD104B92}" sibTransId="{3058B941-7B65-4F0E-A84D-2774EB2CD7C4}"/>
-    <dgm:cxn modelId="{18330B2E-3C12-47D6-8841-9CDE0D98DD46}" type="presOf" srcId="{7E829DBF-11EB-4D72-AD4A-9FFEFE4340A9}" destId="{082C1469-7809-41E5-B99E-9BA48C43295F}" srcOrd="1" destOrd="0" presId="urn:microsoft.com/office/officeart/2005/8/layout/process4"/>
     <dgm:cxn modelId="{A13A4508-9D1D-4EA7-92B5-7D7B353A0321}" srcId="{1F8C6969-57BC-422B-A7D8-CEB736D20A22}" destId="{7E829DBF-11EB-4D72-AD4A-9FFEFE4340A9}" srcOrd="0" destOrd="0" parTransId="{B79A9084-4702-49D3-9B1F-C522F5B6A9D5}" sibTransId="{48762A67-82F8-401B-A9A5-4615EBFB853F}"/>
     <dgm:cxn modelId="{C8D0094F-4AA6-48FB-A720-5FDEB5F1C42D}" type="presOf" srcId="{84380697-93A1-4717-937D-A583453B6A3A}" destId="{1F7BECB4-76D7-4619-97E8-90E69CEEB64A}" srcOrd="0" destOrd="0" presId="urn:microsoft.com/office/officeart/2005/8/layout/process4"/>
     <dgm:cxn modelId="{B0BEBB14-4FA9-4D62-948B-0BA3F59D42C5}" srcId="{7E829DBF-11EB-4D72-AD4A-9FFEFE4340A9}" destId="{84380697-93A1-4717-937D-A583453B6A3A}" srcOrd="1" destOrd="0" parTransId="{C9BAA796-0BEA-4615-AA5E-2BE19FDBE6A2}" sibTransId="{4A909D9C-235E-4B5F-9214-778AACB66D6F}"/>
@@ -8612,6 +8612,318 @@
       <dsp:cNvGrpSpPr/>
     </dsp:nvGrpSpPr>
     <dsp:grpSpPr/>
+    <dsp:sp modelId="{082C1469-7809-41E5-B99E-9BA48C43295F}">
+      <dsp:nvSpPr>
+        <dsp:cNvPr id="0" name=""/>
+        <dsp:cNvSpPr/>
+      </dsp:nvSpPr>
+      <dsp:spPr>
+        <a:xfrm>
+          <a:off x="0" y="0"/>
+          <a:ext cx="2925187" cy="1872207"/>
+        </a:xfrm>
+        <a:prstGeom prst="rect">
+          <a:avLst/>
+        </a:prstGeom>
+        <a:solidFill>
+          <a:schemeClr val="accent1">
+            <a:hueOff val="0"/>
+            <a:satOff val="0"/>
+            <a:lumOff val="0"/>
+            <a:alphaOff val="0"/>
+          </a:schemeClr>
+        </a:solidFill>
+        <a:ln w="25400" cap="flat" cmpd="sng" algn="ctr">
+          <a:solidFill>
+            <a:schemeClr val="lt1">
+              <a:hueOff val="0"/>
+              <a:satOff val="0"/>
+              <a:lumOff val="0"/>
+              <a:alphaOff val="0"/>
+            </a:schemeClr>
+          </a:solidFill>
+          <a:prstDash val="solid"/>
+        </a:ln>
+        <a:effectLst/>
+      </dsp:spPr>
+      <dsp:style>
+        <a:lnRef idx="2">
+          <a:scrgbClr r="0" g="0" b="0"/>
+        </a:lnRef>
+        <a:fillRef idx="1">
+          <a:scrgbClr r="0" g="0" b="0"/>
+        </a:fillRef>
+        <a:effectRef idx="0">
+          <a:scrgbClr r="0" g="0" b="0"/>
+        </a:effectRef>
+        <a:fontRef idx="minor">
+          <a:schemeClr val="lt1"/>
+        </a:fontRef>
+      </dsp:style>
+      <dsp:txBody>
+        <a:bodyPr spcFirstLastPara="0" vert="horz" wrap="square" lIns="248920" tIns="248920" rIns="248920" bIns="248920" numCol="1" spcCol="1270" anchor="ctr" anchorCtr="0">
+          <a:noAutofit/>
+        </a:bodyPr>
+        <a:lstStyle/>
+        <a:p>
+          <a:pPr lvl="0" algn="ctr" defTabSz="1555750">
+            <a:lnSpc>
+              <a:spcPct val="90000"/>
+            </a:lnSpc>
+            <a:spcBef>
+              <a:spcPct val="0"/>
+            </a:spcBef>
+            <a:spcAft>
+              <a:spcPct val="35000"/>
+            </a:spcAft>
+          </a:pPr>
+          <a:r>
+            <a:rPr lang="en-US" sz="3500" kern="1200" dirty="0" smtClean="0"/>
+            <a:t>Claim</a:t>
+          </a:r>
+          <a:endParaRPr lang="en-US" sz="3500" kern="1200" dirty="0"/>
+        </a:p>
+      </dsp:txBody>
+      <dsp:txXfrm>
+        <a:off x="0" y="0"/>
+        <a:ext cx="2925187" cy="1010991"/>
+      </dsp:txXfrm>
+    </dsp:sp>
+    <dsp:sp modelId="{9CD6F3CA-B3FC-45CD-AFE8-83034A1E12CA}">
+      <dsp:nvSpPr>
+        <dsp:cNvPr id="0" name=""/>
+        <dsp:cNvSpPr/>
+      </dsp:nvSpPr>
+      <dsp:spPr>
+        <a:xfrm>
+          <a:off x="1428" y="973547"/>
+          <a:ext cx="974110" cy="861215"/>
+        </a:xfrm>
+        <a:prstGeom prst="rect">
+          <a:avLst/>
+        </a:prstGeom>
+        <a:solidFill>
+          <a:schemeClr val="accent1">
+            <a:alpha val="90000"/>
+            <a:tint val="40000"/>
+            <a:hueOff val="0"/>
+            <a:satOff val="0"/>
+            <a:lumOff val="0"/>
+            <a:alphaOff val="0"/>
+          </a:schemeClr>
+        </a:solidFill>
+        <a:ln w="25400" cap="flat" cmpd="sng" algn="ctr">
+          <a:solidFill>
+            <a:schemeClr val="accent1">
+              <a:alpha val="90000"/>
+              <a:tint val="40000"/>
+              <a:hueOff val="0"/>
+              <a:satOff val="0"/>
+              <a:lumOff val="0"/>
+              <a:alphaOff val="0"/>
+            </a:schemeClr>
+          </a:solidFill>
+          <a:prstDash val="solid"/>
+        </a:ln>
+        <a:effectLst/>
+      </dsp:spPr>
+      <dsp:style>
+        <a:lnRef idx="2">
+          <a:scrgbClr r="0" g="0" b="0"/>
+        </a:lnRef>
+        <a:fillRef idx="1">
+          <a:scrgbClr r="0" g="0" b="0"/>
+        </a:fillRef>
+        <a:effectRef idx="0">
+          <a:scrgbClr r="0" g="0" b="0"/>
+        </a:effectRef>
+        <a:fontRef idx="minor"/>
+      </dsp:style>
+      <dsp:txBody>
+        <a:bodyPr spcFirstLastPara="0" vert="horz" wrap="square" lIns="85344" tIns="15240" rIns="85344" bIns="15240" numCol="1" spcCol="1270" anchor="ctr" anchorCtr="0">
+          <a:noAutofit/>
+        </a:bodyPr>
+        <a:lstStyle/>
+        <a:p>
+          <a:pPr lvl="0" algn="ctr" defTabSz="533400">
+            <a:lnSpc>
+              <a:spcPct val="90000"/>
+            </a:lnSpc>
+            <a:spcBef>
+              <a:spcPct val="0"/>
+            </a:spcBef>
+            <a:spcAft>
+              <a:spcPct val="35000"/>
+            </a:spcAft>
+          </a:pPr>
+          <a:r>
+            <a:rPr lang="en-US" sz="1200" kern="1200" dirty="0" smtClean="0"/>
+            <a:t>Government</a:t>
+          </a:r>
+          <a:endParaRPr lang="en-US" sz="1200" kern="1200" dirty="0"/>
+        </a:p>
+      </dsp:txBody>
+      <dsp:txXfrm>
+        <a:off x="1428" y="973547"/>
+        <a:ext cx="974110" cy="861215"/>
+      </dsp:txXfrm>
+    </dsp:sp>
+    <dsp:sp modelId="{1F7BECB4-76D7-4619-97E8-90E69CEEB64A}">
+      <dsp:nvSpPr>
+        <dsp:cNvPr id="0" name=""/>
+        <dsp:cNvSpPr/>
+      </dsp:nvSpPr>
+      <dsp:spPr>
+        <a:xfrm>
+          <a:off x="975538" y="973547"/>
+          <a:ext cx="974110" cy="861215"/>
+        </a:xfrm>
+        <a:prstGeom prst="rect">
+          <a:avLst/>
+        </a:prstGeom>
+        <a:solidFill>
+          <a:schemeClr val="accent1">
+            <a:alpha val="90000"/>
+            <a:tint val="40000"/>
+            <a:hueOff val="0"/>
+            <a:satOff val="0"/>
+            <a:lumOff val="0"/>
+            <a:alphaOff val="0"/>
+          </a:schemeClr>
+        </a:solidFill>
+        <a:ln w="25400" cap="flat" cmpd="sng" algn="ctr">
+          <a:solidFill>
+            <a:schemeClr val="accent1">
+              <a:alpha val="90000"/>
+              <a:tint val="40000"/>
+              <a:hueOff val="0"/>
+              <a:satOff val="0"/>
+              <a:lumOff val="0"/>
+              <a:alphaOff val="0"/>
+            </a:schemeClr>
+          </a:solidFill>
+          <a:prstDash val="solid"/>
+        </a:ln>
+        <a:effectLst/>
+      </dsp:spPr>
+      <dsp:style>
+        <a:lnRef idx="2">
+          <a:scrgbClr r="0" g="0" b="0"/>
+        </a:lnRef>
+        <a:fillRef idx="1">
+          <a:scrgbClr r="0" g="0" b="0"/>
+        </a:fillRef>
+        <a:effectRef idx="0">
+          <a:scrgbClr r="0" g="0" b="0"/>
+        </a:effectRef>
+        <a:fontRef idx="minor"/>
+      </dsp:style>
+      <dsp:txBody>
+        <a:bodyPr spcFirstLastPara="0" vert="horz" wrap="square" lIns="113792" tIns="20320" rIns="113792" bIns="20320" numCol="1" spcCol="1270" anchor="ctr" anchorCtr="0">
+          <a:noAutofit/>
+        </a:bodyPr>
+        <a:lstStyle/>
+        <a:p>
+          <a:pPr lvl="0" algn="ctr" defTabSz="711200">
+            <a:lnSpc>
+              <a:spcPct val="90000"/>
+            </a:lnSpc>
+            <a:spcBef>
+              <a:spcPct val="0"/>
+            </a:spcBef>
+            <a:spcAft>
+              <a:spcPct val="35000"/>
+            </a:spcAft>
+          </a:pPr>
+          <a:r>
+            <a:rPr lang="en-US" sz="1600" kern="1200" dirty="0" smtClean="0"/>
+            <a:t>Social Security Number</a:t>
+          </a:r>
+        </a:p>
+      </dsp:txBody>
+      <dsp:txXfrm>
+        <a:off x="975538" y="973547"/>
+        <a:ext cx="974110" cy="861215"/>
+      </dsp:txXfrm>
+    </dsp:sp>
+    <dsp:sp modelId="{15CB6101-9D66-43DB-9447-0F2A9C6FB0A0}">
+      <dsp:nvSpPr>
+        <dsp:cNvPr id="0" name=""/>
+        <dsp:cNvSpPr/>
+      </dsp:nvSpPr>
+      <dsp:spPr>
+        <a:xfrm>
+          <a:off x="1949649" y="973547"/>
+          <a:ext cx="974110" cy="861215"/>
+        </a:xfrm>
+        <a:prstGeom prst="rect">
+          <a:avLst/>
+        </a:prstGeom>
+        <a:solidFill>
+          <a:schemeClr val="accent1">
+            <a:alpha val="90000"/>
+            <a:tint val="40000"/>
+            <a:hueOff val="0"/>
+            <a:satOff val="0"/>
+            <a:lumOff val="0"/>
+            <a:alphaOff val="0"/>
+          </a:schemeClr>
+        </a:solidFill>
+        <a:ln w="25400" cap="flat" cmpd="sng" algn="ctr">
+          <a:solidFill>
+            <a:schemeClr val="accent1">
+              <a:alpha val="90000"/>
+              <a:tint val="40000"/>
+              <a:hueOff val="0"/>
+              <a:satOff val="0"/>
+              <a:lumOff val="0"/>
+              <a:alphaOff val="0"/>
+            </a:schemeClr>
+          </a:solidFill>
+          <a:prstDash val="solid"/>
+        </a:ln>
+        <a:effectLst/>
+      </dsp:spPr>
+      <dsp:style>
+        <a:lnRef idx="2">
+          <a:scrgbClr r="0" g="0" b="0"/>
+        </a:lnRef>
+        <a:fillRef idx="1">
+          <a:scrgbClr r="0" g="0" b="0"/>
+        </a:fillRef>
+        <a:effectRef idx="0">
+          <a:scrgbClr r="0" g="0" b="0"/>
+        </a:effectRef>
+        <a:fontRef idx="minor"/>
+      </dsp:style>
+      <dsp:txBody>
+        <a:bodyPr spcFirstLastPara="0" vert="horz" wrap="square" lIns="113792" tIns="20320" rIns="113792" bIns="20320" numCol="1" spcCol="1270" anchor="ctr" anchorCtr="0">
+          <a:noAutofit/>
+        </a:bodyPr>
+        <a:lstStyle/>
+        <a:p>
+          <a:pPr lvl="0" algn="ctr" defTabSz="711200">
+            <a:lnSpc>
+              <a:spcPct val="90000"/>
+            </a:lnSpc>
+            <a:spcBef>
+              <a:spcPct val="0"/>
+            </a:spcBef>
+            <a:spcAft>
+              <a:spcPct val="35000"/>
+            </a:spcAft>
+          </a:pPr>
+          <a:r>
+            <a:rPr lang="en-US" sz="1600" kern="1200" dirty="0" smtClean="0"/>
+            <a:t>860228-4792</a:t>
+          </a:r>
+        </a:p>
+      </dsp:txBody>
+      <dsp:txXfrm>
+        <a:off x="1949649" y="973547"/>
+        <a:ext cx="974110" cy="861215"/>
+      </dsp:txXfrm>
+    </dsp:sp>
   </dsp:spTree>
 </dsp:drawing>
 </file>
@@ -8624,6 +8936,318 @@
       <dsp:cNvGrpSpPr/>
     </dsp:nvGrpSpPr>
     <dsp:grpSpPr/>
+    <dsp:sp modelId="{082C1469-7809-41E5-B99E-9BA48C43295F}">
+      <dsp:nvSpPr>
+        <dsp:cNvPr id="0" name=""/>
+        <dsp:cNvSpPr/>
+      </dsp:nvSpPr>
+      <dsp:spPr>
+        <a:xfrm>
+          <a:off x="0" y="0"/>
+          <a:ext cx="2925186" cy="1872207"/>
+        </a:xfrm>
+        <a:prstGeom prst="rect">
+          <a:avLst/>
+        </a:prstGeom>
+        <a:solidFill>
+          <a:schemeClr val="accent1">
+            <a:hueOff val="0"/>
+            <a:satOff val="0"/>
+            <a:lumOff val="0"/>
+            <a:alphaOff val="0"/>
+          </a:schemeClr>
+        </a:solidFill>
+        <a:ln w="25400" cap="flat" cmpd="sng" algn="ctr">
+          <a:solidFill>
+            <a:schemeClr val="lt1">
+              <a:hueOff val="0"/>
+              <a:satOff val="0"/>
+              <a:lumOff val="0"/>
+              <a:alphaOff val="0"/>
+            </a:schemeClr>
+          </a:solidFill>
+          <a:prstDash val="solid"/>
+        </a:ln>
+        <a:effectLst/>
+      </dsp:spPr>
+      <dsp:style>
+        <a:lnRef idx="2">
+          <a:scrgbClr r="0" g="0" b="0"/>
+        </a:lnRef>
+        <a:fillRef idx="1">
+          <a:scrgbClr r="0" g="0" b="0"/>
+        </a:fillRef>
+        <a:effectRef idx="0">
+          <a:scrgbClr r="0" g="0" b="0"/>
+        </a:effectRef>
+        <a:fontRef idx="minor">
+          <a:schemeClr val="lt1"/>
+        </a:fontRef>
+      </dsp:style>
+      <dsp:txBody>
+        <a:bodyPr spcFirstLastPara="0" vert="horz" wrap="square" lIns="248920" tIns="248920" rIns="248920" bIns="248920" numCol="1" spcCol="1270" anchor="ctr" anchorCtr="0">
+          <a:noAutofit/>
+        </a:bodyPr>
+        <a:lstStyle/>
+        <a:p>
+          <a:pPr lvl="0" algn="ctr" defTabSz="1555750">
+            <a:lnSpc>
+              <a:spcPct val="90000"/>
+            </a:lnSpc>
+            <a:spcBef>
+              <a:spcPct val="0"/>
+            </a:spcBef>
+            <a:spcAft>
+              <a:spcPct val="35000"/>
+            </a:spcAft>
+          </a:pPr>
+          <a:r>
+            <a:rPr lang="en-US" sz="3500" kern="1200" dirty="0" smtClean="0"/>
+            <a:t>Claim</a:t>
+          </a:r>
+          <a:endParaRPr lang="en-US" sz="3500" kern="1200" dirty="0"/>
+        </a:p>
+      </dsp:txBody>
+      <dsp:txXfrm>
+        <a:off x="0" y="0"/>
+        <a:ext cx="2925186" cy="1010991"/>
+      </dsp:txXfrm>
+    </dsp:sp>
+    <dsp:sp modelId="{9CD6F3CA-B3FC-45CD-AFE8-83034A1E12CA}">
+      <dsp:nvSpPr>
+        <dsp:cNvPr id="0" name=""/>
+        <dsp:cNvSpPr/>
+      </dsp:nvSpPr>
+      <dsp:spPr>
+        <a:xfrm>
+          <a:off x="1428" y="973547"/>
+          <a:ext cx="974109" cy="861215"/>
+        </a:xfrm>
+        <a:prstGeom prst="rect">
+          <a:avLst/>
+        </a:prstGeom>
+        <a:solidFill>
+          <a:schemeClr val="accent1">
+            <a:alpha val="90000"/>
+            <a:tint val="40000"/>
+            <a:hueOff val="0"/>
+            <a:satOff val="0"/>
+            <a:lumOff val="0"/>
+            <a:alphaOff val="0"/>
+          </a:schemeClr>
+        </a:solidFill>
+        <a:ln w="25400" cap="flat" cmpd="sng" algn="ctr">
+          <a:solidFill>
+            <a:schemeClr val="accent1">
+              <a:alpha val="90000"/>
+              <a:tint val="40000"/>
+              <a:hueOff val="0"/>
+              <a:satOff val="0"/>
+              <a:lumOff val="0"/>
+              <a:alphaOff val="0"/>
+            </a:schemeClr>
+          </a:solidFill>
+          <a:prstDash val="solid"/>
+        </a:ln>
+        <a:effectLst/>
+      </dsp:spPr>
+      <dsp:style>
+        <a:lnRef idx="2">
+          <a:scrgbClr r="0" g="0" b="0"/>
+        </a:lnRef>
+        <a:fillRef idx="1">
+          <a:scrgbClr r="0" g="0" b="0"/>
+        </a:fillRef>
+        <a:effectRef idx="0">
+          <a:scrgbClr r="0" g="0" b="0"/>
+        </a:effectRef>
+        <a:fontRef idx="minor"/>
+      </dsp:style>
+      <dsp:txBody>
+        <a:bodyPr spcFirstLastPara="0" vert="horz" wrap="square" lIns="85344" tIns="15240" rIns="85344" bIns="15240" numCol="1" spcCol="1270" anchor="ctr" anchorCtr="0">
+          <a:noAutofit/>
+        </a:bodyPr>
+        <a:lstStyle/>
+        <a:p>
+          <a:pPr lvl="0" algn="ctr" defTabSz="533400">
+            <a:lnSpc>
+              <a:spcPct val="90000"/>
+            </a:lnSpc>
+            <a:spcBef>
+              <a:spcPct val="0"/>
+            </a:spcBef>
+            <a:spcAft>
+              <a:spcPct val="35000"/>
+            </a:spcAft>
+          </a:pPr>
+          <a:r>
+            <a:rPr lang="en-US" sz="1200" kern="1200" dirty="0" smtClean="0"/>
+            <a:t>Associate</a:t>
+          </a:r>
+          <a:endParaRPr lang="en-US" sz="1200" kern="1200" dirty="0"/>
+        </a:p>
+      </dsp:txBody>
+      <dsp:txXfrm>
+        <a:off x="1428" y="973547"/>
+        <a:ext cx="974109" cy="861215"/>
+      </dsp:txXfrm>
+    </dsp:sp>
+    <dsp:sp modelId="{1F7BECB4-76D7-4619-97E8-90E69CEEB64A}">
+      <dsp:nvSpPr>
+        <dsp:cNvPr id="0" name=""/>
+        <dsp:cNvSpPr/>
+      </dsp:nvSpPr>
+      <dsp:spPr>
+        <a:xfrm>
+          <a:off x="975538" y="973547"/>
+          <a:ext cx="974109" cy="861215"/>
+        </a:xfrm>
+        <a:prstGeom prst="rect">
+          <a:avLst/>
+        </a:prstGeom>
+        <a:solidFill>
+          <a:schemeClr val="accent1">
+            <a:alpha val="90000"/>
+            <a:tint val="40000"/>
+            <a:hueOff val="0"/>
+            <a:satOff val="0"/>
+            <a:lumOff val="0"/>
+            <a:alphaOff val="0"/>
+          </a:schemeClr>
+        </a:solidFill>
+        <a:ln w="25400" cap="flat" cmpd="sng" algn="ctr">
+          <a:solidFill>
+            <a:schemeClr val="accent1">
+              <a:alpha val="90000"/>
+              <a:tint val="40000"/>
+              <a:hueOff val="0"/>
+              <a:satOff val="0"/>
+              <a:lumOff val="0"/>
+              <a:alphaOff val="0"/>
+            </a:schemeClr>
+          </a:solidFill>
+          <a:prstDash val="solid"/>
+        </a:ln>
+        <a:effectLst/>
+      </dsp:spPr>
+      <dsp:style>
+        <a:lnRef idx="2">
+          <a:scrgbClr r="0" g="0" b="0"/>
+        </a:lnRef>
+        <a:fillRef idx="1">
+          <a:scrgbClr r="0" g="0" b="0"/>
+        </a:fillRef>
+        <a:effectRef idx="0">
+          <a:scrgbClr r="0" g="0" b="0"/>
+        </a:effectRef>
+        <a:fontRef idx="minor"/>
+      </dsp:style>
+      <dsp:txBody>
+        <a:bodyPr spcFirstLastPara="0" vert="horz" wrap="square" lIns="120904" tIns="21590" rIns="120904" bIns="21590" numCol="1" spcCol="1270" anchor="ctr" anchorCtr="0">
+          <a:noAutofit/>
+        </a:bodyPr>
+        <a:lstStyle/>
+        <a:p>
+          <a:pPr lvl="0" algn="ctr" defTabSz="755650">
+            <a:lnSpc>
+              <a:spcPct val="90000"/>
+            </a:lnSpc>
+            <a:spcBef>
+              <a:spcPct val="0"/>
+            </a:spcBef>
+            <a:spcAft>
+              <a:spcPct val="35000"/>
+            </a:spcAft>
+          </a:pPr>
+          <a:r>
+            <a:rPr lang="en-US" sz="1700" kern="1200" dirty="0" smtClean="0"/>
+            <a:t>Social Security Number</a:t>
+          </a:r>
+        </a:p>
+      </dsp:txBody>
+      <dsp:txXfrm>
+        <a:off x="975538" y="973547"/>
+        <a:ext cx="974109" cy="861215"/>
+      </dsp:txXfrm>
+    </dsp:sp>
+    <dsp:sp modelId="{15CB6101-9D66-43DB-9447-0F2A9C6FB0A0}">
+      <dsp:nvSpPr>
+        <dsp:cNvPr id="0" name=""/>
+        <dsp:cNvSpPr/>
+      </dsp:nvSpPr>
+      <dsp:spPr>
+        <a:xfrm>
+          <a:off x="1949647" y="973547"/>
+          <a:ext cx="974109" cy="861215"/>
+        </a:xfrm>
+        <a:prstGeom prst="rect">
+          <a:avLst/>
+        </a:prstGeom>
+        <a:solidFill>
+          <a:schemeClr val="accent1">
+            <a:alpha val="90000"/>
+            <a:tint val="40000"/>
+            <a:hueOff val="0"/>
+            <a:satOff val="0"/>
+            <a:lumOff val="0"/>
+            <a:alphaOff val="0"/>
+          </a:schemeClr>
+        </a:solidFill>
+        <a:ln w="25400" cap="flat" cmpd="sng" algn="ctr">
+          <a:solidFill>
+            <a:schemeClr val="accent1">
+              <a:alpha val="90000"/>
+              <a:tint val="40000"/>
+              <a:hueOff val="0"/>
+              <a:satOff val="0"/>
+              <a:lumOff val="0"/>
+              <a:alphaOff val="0"/>
+            </a:schemeClr>
+          </a:solidFill>
+          <a:prstDash val="solid"/>
+        </a:ln>
+        <a:effectLst/>
+      </dsp:spPr>
+      <dsp:style>
+        <a:lnRef idx="2">
+          <a:scrgbClr r="0" g="0" b="0"/>
+        </a:lnRef>
+        <a:fillRef idx="1">
+          <a:scrgbClr r="0" g="0" b="0"/>
+        </a:fillRef>
+        <a:effectRef idx="0">
+          <a:scrgbClr r="0" g="0" b="0"/>
+        </a:effectRef>
+        <a:fontRef idx="minor"/>
+      </dsp:style>
+      <dsp:txBody>
+        <a:bodyPr spcFirstLastPara="0" vert="horz" wrap="square" lIns="120904" tIns="21590" rIns="120904" bIns="21590" numCol="1" spcCol="1270" anchor="ctr" anchorCtr="0">
+          <a:noAutofit/>
+        </a:bodyPr>
+        <a:lstStyle/>
+        <a:p>
+          <a:pPr lvl="0" algn="ctr" defTabSz="755650">
+            <a:lnSpc>
+              <a:spcPct val="90000"/>
+            </a:lnSpc>
+            <a:spcBef>
+              <a:spcPct val="0"/>
+            </a:spcBef>
+            <a:spcAft>
+              <a:spcPct val="35000"/>
+            </a:spcAft>
+          </a:pPr>
+          <a:r>
+            <a:rPr lang="en-US" sz="1700" kern="1200" dirty="0" smtClean="0"/>
+            <a:t>840228-4792</a:t>
+          </a:r>
+        </a:p>
+      </dsp:txBody>
+      <dsp:txXfrm>
+        <a:off x="1949647" y="973547"/>
+        <a:ext cx="974109" cy="861215"/>
+      </dsp:txXfrm>
+    </dsp:sp>
   </dsp:spTree>
 </dsp:drawing>
 </file>
@@ -18636,7 +19260,7 @@
           <a:p>
             <a:fld id="{B5922E6D-3451-482A-A64F-C89F139BA51A}" type="datetimeFigureOut">
               <a:rPr lang="en-US" smtClean="0"/>
-              <a:t>11/21/2014</a:t>
+              <a:t>11/24/2014</a:t>
             </a:fld>
             <a:endParaRPr lang="en-US"/>
           </a:p>
@@ -18801,7 +19425,7 @@
           <a:p>
             <a:fld id="{05247E74-41DE-40FA-A7A7-A655366ADCFA}" type="datetimeFigureOut">
               <a:rPr lang="sv-SE" smtClean="0"/>
-              <a:t>2014-11-21</a:t>
+              <a:t>2014-11-24</a:t>
             </a:fld>
             <a:endParaRPr lang="sv-SE"/>
           </a:p>
@@ -19265,7 +19889,7 @@
           <a:p>
             <a:fld id="{DB41BBF1-8D56-4061-8DE2-461FDAC177EF}" type="datetimeFigureOut">
               <a:rPr lang="sv-SE" smtClean="0"/>
-              <a:t>2014-11-21</a:t>
+              <a:t>2014-11-24</a:t>
             </a:fld>
             <a:endParaRPr lang="sv-SE"/>
           </a:p>
@@ -19529,7 +20153,7 @@
           <a:p>
             <a:fld id="{DB41BBF1-8D56-4061-8DE2-461FDAC177EF}" type="datetimeFigureOut">
               <a:rPr lang="sv-SE" smtClean="0"/>
-              <a:t>2014-11-21</a:t>
+              <a:t>2014-11-24</a:t>
             </a:fld>
             <a:endParaRPr lang="sv-SE"/>
           </a:p>
@@ -19706,7 +20330,7 @@
           <a:p>
             <a:fld id="{DB41BBF1-8D56-4061-8DE2-461FDAC177EF}" type="datetimeFigureOut">
               <a:rPr lang="sv-SE" smtClean="0"/>
-              <a:t>2014-11-21</a:t>
+              <a:t>2014-11-24</a:t>
             </a:fld>
             <a:endParaRPr lang="sv-SE"/>
           </a:p>
@@ -19893,7 +20517,7 @@
           <a:p>
             <a:fld id="{DB41BBF1-8D56-4061-8DE2-461FDAC177EF}" type="datetimeFigureOut">
               <a:rPr lang="sv-SE" smtClean="0"/>
-              <a:t>2014-11-21</a:t>
+              <a:t>2014-11-24</a:t>
             </a:fld>
             <a:endParaRPr lang="sv-SE"/>
           </a:p>
@@ -20157,7 +20781,7 @@
           <a:p>
             <a:fld id="{DB41BBF1-8D56-4061-8DE2-461FDAC177EF}" type="datetimeFigureOut">
               <a:rPr lang="sv-SE" smtClean="0"/>
-              <a:t>2014-11-21</a:t>
+              <a:t>2014-11-24</a:t>
             </a:fld>
             <a:endParaRPr lang="sv-SE"/>
           </a:p>
@@ -20334,7 +20958,7 @@
           <a:p>
             <a:fld id="{DB41BBF1-8D56-4061-8DE2-461FDAC177EF}" type="datetimeFigureOut">
               <a:rPr lang="sv-SE" smtClean="0"/>
-              <a:t>2014-11-21</a:t>
+              <a:t>2014-11-24</a:t>
             </a:fld>
             <a:endParaRPr lang="sv-SE"/>
           </a:p>
@@ -20587,7 +21211,7 @@
           <a:p>
             <a:fld id="{DB41BBF1-8D56-4061-8DE2-461FDAC177EF}" type="datetimeFigureOut">
               <a:rPr lang="sv-SE" smtClean="0"/>
-              <a:t>2014-11-21</a:t>
+              <a:t>2014-11-24</a:t>
             </a:fld>
             <a:endParaRPr lang="sv-SE"/>
           </a:p>
@@ -20882,7 +21506,7 @@
           <a:p>
             <a:fld id="{DB41BBF1-8D56-4061-8DE2-461FDAC177EF}" type="datetimeFigureOut">
               <a:rPr lang="sv-SE" smtClean="0"/>
-              <a:t>2014-11-21</a:t>
+              <a:t>2014-11-24</a:t>
             </a:fld>
             <a:endParaRPr lang="sv-SE"/>
           </a:p>
@@ -21311,7 +21935,7 @@
           <a:p>
             <a:fld id="{DB41BBF1-8D56-4061-8DE2-461FDAC177EF}" type="datetimeFigureOut">
               <a:rPr lang="sv-SE" smtClean="0"/>
-              <a:t>2014-11-21</a:t>
+              <a:t>2014-11-24</a:t>
             </a:fld>
             <a:endParaRPr lang="sv-SE"/>
           </a:p>
@@ -21436,7 +22060,7 @@
           <a:p>
             <a:fld id="{DB41BBF1-8D56-4061-8DE2-461FDAC177EF}" type="datetimeFigureOut">
               <a:rPr lang="sv-SE" smtClean="0"/>
-              <a:t>2014-11-21</a:t>
+              <a:t>2014-11-24</a:t>
             </a:fld>
             <a:endParaRPr lang="sv-SE"/>
           </a:p>
@@ -21538,7 +22162,7 @@
           <a:p>
             <a:fld id="{DB41BBF1-8D56-4061-8DE2-461FDAC177EF}" type="datetimeFigureOut">
               <a:rPr lang="sv-SE" smtClean="0"/>
-              <a:t>2014-11-21</a:t>
+              <a:t>2014-11-24</a:t>
             </a:fld>
             <a:endParaRPr lang="sv-SE"/>
           </a:p>
@@ -21822,7 +22446,7 @@
           <a:p>
             <a:fld id="{DB41BBF1-8D56-4061-8DE2-461FDAC177EF}" type="datetimeFigureOut">
               <a:rPr lang="sv-SE" smtClean="0"/>
-              <a:t>2014-11-21</a:t>
+              <a:t>2014-11-24</a:t>
             </a:fld>
             <a:endParaRPr lang="sv-SE"/>
           </a:p>
@@ -22050,7 +22674,7 @@
           <a:p>
             <a:fld id="{DB41BBF1-8D56-4061-8DE2-461FDAC177EF}" type="datetimeFigureOut">
               <a:rPr lang="sv-SE" smtClean="0"/>
-              <a:t>2014-11-21</a:t>
+              <a:t>2014-11-24</a:t>
             </a:fld>
             <a:endParaRPr lang="sv-SE"/>
           </a:p>
@@ -22669,7 +23293,15 @@
             </a:pPr>
             <a:r>
               <a:rPr lang="en-US" sz="3200" dirty="0" smtClean="0"/>
-              <a:t>A Claim is a statement about a subject, for example your name, age or address.</a:t>
+              <a:t>A Claim is a statement about a subject, for example </a:t>
+            </a:r>
+            <a:r>
+              <a:rPr lang="en-US" sz="3200" dirty="0" smtClean="0"/>
+              <a:t>a </a:t>
+            </a:r>
+            <a:r>
+              <a:rPr lang="en-US" sz="3200" dirty="0" smtClean="0"/>
+              <a:t>name, age or address.</a:t>
             </a:r>
             <a:endParaRPr lang="en-US" sz="1800" dirty="0" smtClean="0"/>
           </a:p>
@@ -22910,7 +23542,11 @@
             </a:pPr>
             <a:r>
               <a:rPr lang="en-US" dirty="0" smtClean="0"/>
-              <a:t>Since you’re not always the sole provider of a claim, it is up to you to decide if you trust the claim or not</a:t>
+              <a:t>You might not always be </a:t>
+            </a:r>
+            <a:r>
+              <a:rPr lang="en-US" dirty="0" smtClean="0"/>
+              <a:t>the sole provider of a claim, it is up to you to decide if you trust the claim or not</a:t>
             </a:r>
             <a:r>
               <a:rPr lang="en-US" dirty="0"/>
@@ -22979,7 +23615,7 @@
           <p:nvPr>
             <p:extLst>
               <p:ext uri="{D42A27DB-BD31-4B8C-83A1-F6EECF244321}">
-                <p14:modId xmlns:p14="http://schemas.microsoft.com/office/powerpoint/2010/main" val="2632599681"/>
+                <p14:modId xmlns:p14="http://schemas.microsoft.com/office/powerpoint/2010/main" val="4237423897"/>
               </p:ext>
             </p:extLst>
           </p:nvPr>
@@ -23789,12 +24425,16 @@
           </a:p>
           <a:p>
             <a:r>
-              <a:rPr lang="en-US" dirty="0"/>
-              <a:t>The user brings the claims wherever the user goes, making them easy to access</a:t>
+              <a:rPr lang="en-US"/>
+              <a:t>Since the claims are saved in an encrypted cookie in the browser, the user will bring it wherever the user goes which makes it easy to access.</a:t>
+            </a:r>
+            <a:r>
+              <a:rPr lang="en-US"/>
+              <a:t>	</a:t>
             </a:r>
             <a:r>
               <a:rPr lang="en-US" dirty="0" smtClean="0"/>
-              <a:t>.</a:t>
+              <a:t/>
             </a:r>
             <a:br>
               <a:rPr lang="en-US" dirty="0" smtClean="0"/>
@@ -23806,14 +24446,6 @@
             <a:br>
               <a:rPr lang="en-US" dirty="0" smtClean="0"/>
             </a:br>
-            <a:r>
-              <a:rPr lang="en-US" dirty="0" smtClean="0"/>
-              <a:t>Since the claims are saved in an encrypted cookie in the browser, the user will bring it wherever the user goes which makes it easy to access.</a:t>
-            </a:r>
-            <a:r>
-              <a:rPr lang="en-US" dirty="0"/>
-              <a:t>	</a:t>
-            </a:r>
             <a:endParaRPr lang="en-US" dirty="0" smtClean="0"/>
           </a:p>
         </p:txBody>
@@ -29598,7 +30230,15 @@
             </a:pPr>
             <a:r>
               <a:rPr lang="en-US" sz="2400" dirty="0" smtClean="0"/>
-              <a:t>The Administrator might for example be authorized to create and remove users from a web application. While an Employee might only be authorized to read from the web application.</a:t>
+              <a:t>The Administrator might for example be authorized to create and remove users from a web application. While </a:t>
+            </a:r>
+            <a:r>
+              <a:rPr lang="en-US" sz="2400" dirty="0" smtClean="0"/>
+              <a:t>a Customer </a:t>
+            </a:r>
+            <a:r>
+              <a:rPr lang="en-US" sz="2400" dirty="0" smtClean="0"/>
+              <a:t>might only be authorized to read from the web application.</a:t>
             </a:r>
           </a:p>
           <a:p>
